--- a/files/Global Advisor tracker.pptx
+++ b/files/Global Advisor tracker.pptx
@@ -3446,7 +3446,7 @@
         <p:spPr>
           <a:xfrm>
             <a:off x="585925" y="2636446"/>
-            <a:ext cx="11005712" cy="923330"/>
+            <a:ext cx="11005712" cy="646331"/>
           </a:xfrm>
           <a:prstGeom prst="rect">
             <a:avLst/>
@@ -3471,10 +3471,17 @@
                 </a:solidFill>
                 <a:latin typeface="Open Sans" panose="020B0606030504020204" pitchFamily="34" charset="0"/>
               </a:rPr>
-              <a:t>Translation specs: 3,000 words/month, around 32 countries and 35 languages, human translation + review</a:t>
-            </a:r>
-          </a:p>
-          <a:p>
+              <a:t>Translation specs: 3,000 words/month, around 32 countries and 35 languages, human </a:t>
+            </a:r>
+            <a:r>
+              <a:rPr lang="en-US">
+                <a:solidFill>
+                  <a:srgbClr val="3E3E3E"/>
+                </a:solidFill>
+                <a:latin typeface="Open Sans" panose="020B0606030504020204" pitchFamily="34" charset="0"/>
+              </a:rPr>
+              <a:t>translation Turnaround </a:t>
+            </a:r>
             <a:r>
               <a:rPr lang="en-US" dirty="0">
                 <a:solidFill>
@@ -3482,7 +3489,7 @@
                 </a:solidFill>
                 <a:latin typeface="Open Sans" panose="020B0606030504020204" pitchFamily="34" charset="0"/>
               </a:rPr>
-              <a:t>Turnaround time from handoff of final materials: 4 days</a:t>
+              <a:t>time from handoff of final materials: 4 days</a:t>
             </a:r>
           </a:p>
         </p:txBody>
@@ -3728,11 +3735,11 @@
             <a:r>
               <a:rPr lang="en-US" sz="1400" dirty="0">
                 <a:solidFill>
-                  <a:srgbClr val="3E3E3E"/>
+                  <a:srgbClr val="888888"/>
                 </a:solidFill>
                 <a:latin typeface="Open Sans" panose="020B0606030504020204" pitchFamily="34" charset="0"/>
               </a:rPr>
-              <a:t>Press release: </a:t>
+              <a:t>Public visibility: </a:t>
             </a:r>
             <a:r>
               <a:rPr lang="en-US" sz="1400" dirty="0">
